--- a/Complimentary Course Content/Module4/Lessons/Module4_Lesson06 Hive Databases and Tables.pptx
+++ b/Complimentary Course Content/Module4/Lessons/Module4_Lesson06 Hive Databases and Tables.pptx
@@ -132,7 +132,7 @@
   </p:defaultTextStyle>
   <p:extLst>
     <p:ext uri="{EFAFB233-063F-42B5-8137-9DF3F51BA10A}">
-      <p15:sldGuideLst xmlns="" xmlns:p15="http://schemas.microsoft.com/office/powerpoint/2012/main"/>
+      <p15:sldGuideLst xmlns:p15="http://schemas.microsoft.com/office/powerpoint/2012/main" xmlns=""/>
     </p:ext>
   </p:extLst>
 </p:presentation>
@@ -237,7 +237,7 @@
             <a:fld id="{49B60EF2-7028-489F-85D8-FE86CD7CF2A0}" type="datetimeFigureOut">
               <a:rPr lang="en-US" smtClean="0"/>
               <a:pPr/>
-              <a:t>6/23/16</a:t>
+              <a:t>7/13/16</a:t>
             </a:fld>
             <a:endParaRPr lang="en-US"/>
           </a:p>
@@ -1790,15 +1790,7 @@
             </a:pPr>
             <a:r>
               <a:rPr lang="en-US" b="0" baseline="0" dirty="0" smtClean="0"/>
-              <a:t>The Module 4 </a:t>
-            </a:r>
-            <a:r>
-              <a:rPr lang="en-US" b="0" baseline="0" smtClean="0"/>
-              <a:t>Lesson 6 </a:t>
-            </a:r>
-            <a:r>
-              <a:rPr lang="en-US" b="0" baseline="0" dirty="0" smtClean="0"/>
-              <a:t>Lab should be completed at this time:</a:t>
+              <a:t>The Module 4 Lesson 6 Lab should be completed at this time:</a:t>
             </a:r>
           </a:p>
           <a:p>
@@ -1831,8 +1823,8 @@
               <a:t>computerscience</a:t>
             </a:r>
             <a:r>
-              <a:rPr lang="en-US" b="0" baseline="0" dirty="0" smtClean="0"/>
-              <a:t>/tree/master/Instructor-Led/Module4/Labs/</a:t>
+              <a:rPr lang="en-US" b="0" baseline="0" smtClean="0"/>
+              <a:t>/tree/master/Complimentary%20Course%20Content/Module4/Labs</a:t>
             </a:r>
             <a:endParaRPr lang="en-US" b="0" baseline="0" dirty="0" smtClean="0"/>
           </a:p>
@@ -2891,7 +2883,7 @@
             <a:fld id="{0459C166-16D3-4A25-A2F8-C51E0E346B22}" type="datetimeFigureOut">
               <a:rPr lang="en-US" smtClean="0"/>
               <a:pPr/>
-              <a:t>6/23/16</a:t>
+              <a:t>7/13/16</a:t>
             </a:fld>
             <a:endParaRPr lang="en-US"/>
           </a:p>
@@ -3257,7 +3249,7 @@
             <a:fld id="{0459C166-16D3-4A25-A2F8-C51E0E346B22}" type="datetimeFigureOut">
               <a:rPr lang="en-US" smtClean="0"/>
               <a:pPr/>
-              <a:t>6/23/16</a:t>
+              <a:t>7/13/16</a:t>
             </a:fld>
             <a:endParaRPr lang="en-US"/>
           </a:p>
@@ -3376,7 +3368,7 @@
             <a:fld id="{0459C166-16D3-4A25-A2F8-C51E0E346B22}" type="datetimeFigureOut">
               <a:rPr lang="en-US" smtClean="0"/>
               <a:pPr/>
-              <a:t>6/23/16</a:t>
+              <a:t>7/13/16</a:t>
             </a:fld>
             <a:endParaRPr lang="en-US"/>
           </a:p>
@@ -3473,7 +3465,7 @@
             <a:fld id="{0459C166-16D3-4A25-A2F8-C51E0E346B22}" type="datetimeFigureOut">
               <a:rPr lang="en-US" smtClean="0"/>
               <a:pPr/>
-              <a:t>6/23/16</a:t>
+              <a:t>7/13/16</a:t>
             </a:fld>
             <a:endParaRPr lang="en-US"/>
           </a:p>
@@ -3750,7 +3742,7 @@
             <a:fld id="{0459C166-16D3-4A25-A2F8-C51E0E346B22}" type="datetimeFigureOut">
               <a:rPr lang="en-US" smtClean="0"/>
               <a:pPr/>
-              <a:t>6/23/16</a:t>
+              <a:t>7/13/16</a:t>
             </a:fld>
             <a:endParaRPr lang="en-US"/>
           </a:p>
@@ -4004,7 +3996,7 @@
             <a:fld id="{0459C166-16D3-4A25-A2F8-C51E0E346B22}" type="datetimeFigureOut">
               <a:rPr lang="en-US" smtClean="0"/>
               <a:pPr/>
-              <a:t>6/23/16</a:t>
+              <a:t>7/13/16</a:t>
             </a:fld>
             <a:endParaRPr lang="en-US"/>
           </a:p>
@@ -4174,7 +4166,7 @@
             <a:fld id="{0459C166-16D3-4A25-A2F8-C51E0E346B22}" type="datetimeFigureOut">
               <a:rPr lang="en-US" smtClean="0"/>
               <a:pPr/>
-              <a:t>6/23/16</a:t>
+              <a:t>7/13/16</a:t>
             </a:fld>
             <a:endParaRPr lang="en-US"/>
           </a:p>
@@ -4354,7 +4346,7 @@
             <a:fld id="{0459C166-16D3-4A25-A2F8-C51E0E346B22}" type="datetimeFigureOut">
               <a:rPr lang="en-US" smtClean="0"/>
               <a:pPr/>
-              <a:t>6/23/16</a:t>
+              <a:t>7/13/16</a:t>
             </a:fld>
             <a:endParaRPr lang="en-US"/>
           </a:p>
@@ -4726,7 +4718,7 @@
                 <a:latin typeface="Segoe UI"/>
               </a:rPr>
               <a:pPr/>
-              <a:t>6/23/16</a:t>
+              <a:t>7/13/16</a:t>
             </a:fld>
             <a:endParaRPr lang="en-US">
               <a:solidFill>
@@ -4931,7 +4923,7 @@
                 <a:latin typeface="Segoe UI"/>
               </a:rPr>
               <a:pPr/>
-              <a:t>6/23/16</a:t>
+              <a:t>7/13/16</a:t>
             </a:fld>
             <a:endParaRPr lang="en-US">
               <a:solidFill>
@@ -5129,7 +5121,7 @@
             <a:fld id="{0459C166-16D3-4A25-A2F8-C51E0E346B22}" type="datetimeFigureOut">
               <a:rPr lang="en-US" smtClean="0"/>
               <a:pPr/>
-              <a:t>6/23/16</a:t>
+              <a:t>7/13/16</a:t>
             </a:fld>
             <a:endParaRPr lang="en-US"/>
           </a:p>
@@ -5399,7 +5391,7 @@
                 <a:latin typeface="Segoe UI"/>
               </a:rPr>
               <a:pPr/>
-              <a:t>6/23/16</a:t>
+              <a:t>7/13/16</a:t>
             </a:fld>
             <a:endParaRPr lang="en-US">
               <a:solidFill>
@@ -5743,7 +5735,7 @@
                 <a:latin typeface="Segoe UI"/>
               </a:rPr>
               <a:pPr/>
-              <a:t>6/23/16</a:t>
+              <a:t>7/13/16</a:t>
             </a:fld>
             <a:endParaRPr lang="en-US">
               <a:solidFill>
@@ -6118,7 +6110,7 @@
                 <a:latin typeface="Segoe UI"/>
               </a:rPr>
               <a:pPr/>
-              <a:t>6/23/16</a:t>
+              <a:t>7/13/16</a:t>
             </a:fld>
             <a:endParaRPr lang="en-US">
               <a:solidFill>
@@ -7062,7 +7054,7 @@
                 <a:latin typeface="Segoe UI"/>
               </a:rPr>
               <a:pPr/>
-              <a:t>6/23/16</a:t>
+              <a:t>7/13/16</a:t>
             </a:fld>
             <a:endParaRPr lang="en-US">
               <a:solidFill>
@@ -7463,7 +7455,7 @@
                 <a:latin typeface="Segoe UI"/>
               </a:rPr>
               <a:pPr/>
-              <a:t>6/23/16</a:t>
+              <a:t>7/13/16</a:t>
             </a:fld>
             <a:endParaRPr lang="en-US">
               <a:solidFill>
@@ -7617,7 +7609,7 @@
                 <a:latin typeface="Segoe UI"/>
               </a:rPr>
               <a:pPr/>
-              <a:t>6/23/16</a:t>
+              <a:t>7/13/16</a:t>
             </a:fld>
             <a:endParaRPr lang="en-US">
               <a:solidFill>
@@ -7749,7 +7741,7 @@
                 <a:latin typeface="Segoe UI"/>
               </a:rPr>
               <a:pPr/>
-              <a:t>6/23/16</a:t>
+              <a:t>7/13/16</a:t>
             </a:fld>
             <a:endParaRPr lang="en-US">
               <a:solidFill>
@@ -8042,7 +8034,7 @@
             <a:fld id="{0459C166-16D3-4A25-A2F8-C51E0E346B22}" type="datetimeFigureOut">
               <a:rPr lang="en-US" smtClean="0"/>
               <a:pPr/>
-              <a:t>6/23/16</a:t>
+              <a:t>7/13/16</a:t>
             </a:fld>
             <a:endParaRPr lang="en-US"/>
           </a:p>
@@ -8342,7 +8334,7 @@
                 <a:latin typeface="Segoe UI"/>
               </a:rPr>
               <a:pPr/>
-              <a:t>6/23/16</a:t>
+              <a:t>7/13/16</a:t>
             </a:fld>
             <a:endParaRPr lang="en-US">
               <a:solidFill>
@@ -8631,7 +8623,7 @@
                 <a:latin typeface="Segoe UI"/>
               </a:rPr>
               <a:pPr/>
-              <a:t>6/23/16</a:t>
+              <a:t>7/13/16</a:t>
             </a:fld>
             <a:endParaRPr lang="en-US">
               <a:solidFill>
@@ -8836,7 +8828,7 @@
                 <a:latin typeface="Segoe UI"/>
               </a:rPr>
               <a:pPr/>
-              <a:t>6/23/16</a:t>
+              <a:t>7/13/16</a:t>
             </a:fld>
             <a:endParaRPr lang="en-US">
               <a:solidFill>
@@ -9051,7 +9043,7 @@
                 <a:latin typeface="Segoe UI"/>
               </a:rPr>
               <a:pPr/>
-              <a:t>6/23/16</a:t>
+              <a:t>7/13/16</a:t>
             </a:fld>
             <a:endParaRPr lang="en-US">
               <a:solidFill>
@@ -9296,7 +9288,7 @@
                 <a:latin typeface="Segoe UI"/>
               </a:rPr>
               <a:pPr/>
-              <a:t>6/23/16</a:t>
+              <a:t>7/13/16</a:t>
             </a:fld>
             <a:endParaRPr lang="en-US">
               <a:solidFill>
@@ -9501,7 +9493,7 @@
                 <a:latin typeface="Segoe UI"/>
               </a:rPr>
               <a:pPr/>
-              <a:t>6/23/16</a:t>
+              <a:t>7/13/16</a:t>
             </a:fld>
             <a:endParaRPr lang="en-US">
               <a:solidFill>
@@ -9799,7 +9791,7 @@
                 <a:latin typeface="Segoe UI"/>
               </a:rPr>
               <a:pPr/>
-              <a:t>6/23/16</a:t>
+              <a:t>7/13/16</a:t>
             </a:fld>
             <a:endParaRPr lang="en-US">
               <a:solidFill>
@@ -10143,7 +10135,7 @@
                 <a:latin typeface="Segoe UI"/>
               </a:rPr>
               <a:pPr/>
-              <a:t>6/23/16</a:t>
+              <a:t>7/13/16</a:t>
             </a:fld>
             <a:endParaRPr lang="en-US">
               <a:solidFill>
@@ -10518,7 +10510,7 @@
                 <a:latin typeface="Segoe UI"/>
               </a:rPr>
               <a:pPr/>
-              <a:t>6/23/16</a:t>
+              <a:t>7/13/16</a:t>
             </a:fld>
             <a:endParaRPr lang="en-US">
               <a:solidFill>
@@ -11644,7 +11636,7 @@
                 <a:latin typeface="Segoe UI"/>
               </a:rPr>
               <a:pPr/>
-              <a:t>6/23/16</a:t>
+              <a:t>7/13/16</a:t>
             </a:fld>
             <a:endParaRPr lang="en-US">
               <a:solidFill>
@@ -12045,7 +12037,7 @@
                 <a:latin typeface="Segoe UI"/>
               </a:rPr>
               <a:pPr/>
-              <a:t>6/23/16</a:t>
+              <a:t>7/13/16</a:t>
             </a:fld>
             <a:endParaRPr lang="en-US">
               <a:solidFill>
@@ -12199,7 +12191,7 @@
                 <a:latin typeface="Segoe UI"/>
               </a:rPr>
               <a:pPr/>
-              <a:t>6/23/16</a:t>
+              <a:t>7/13/16</a:t>
             </a:fld>
             <a:endParaRPr lang="en-US">
               <a:solidFill>
@@ -12331,7 +12323,7 @@
                 <a:latin typeface="Segoe UI"/>
               </a:rPr>
               <a:pPr/>
-              <a:t>6/23/16</a:t>
+              <a:t>7/13/16</a:t>
             </a:fld>
             <a:endParaRPr lang="en-US">
               <a:solidFill>
@@ -12643,7 +12635,7 @@
                 <a:latin typeface="Segoe UI"/>
               </a:rPr>
               <a:pPr/>
-              <a:t>6/23/16</a:t>
+              <a:t>7/13/16</a:t>
             </a:fld>
             <a:endParaRPr lang="en-US">
               <a:solidFill>
@@ -12932,7 +12924,7 @@
                 <a:latin typeface="Segoe UI"/>
               </a:rPr>
               <a:pPr/>
-              <a:t>6/23/16</a:t>
+              <a:t>7/13/16</a:t>
             </a:fld>
             <a:endParaRPr lang="en-US">
               <a:solidFill>
@@ -13137,7 +13129,7 @@
                 <a:latin typeface="Segoe UI"/>
               </a:rPr>
               <a:pPr/>
-              <a:t>6/23/16</a:t>
+              <a:t>7/13/16</a:t>
             </a:fld>
             <a:endParaRPr lang="en-US">
               <a:solidFill>
@@ -13352,7 +13344,7 @@
                 <a:latin typeface="Segoe UI"/>
               </a:rPr>
               <a:pPr/>
-              <a:t>6/23/16</a:t>
+              <a:t>7/13/16</a:t>
             </a:fld>
             <a:endParaRPr lang="en-US">
               <a:solidFill>
@@ -13499,7 +13491,7 @@
             <a:fld id="{0459C166-16D3-4A25-A2F8-C51E0E346B22}" type="datetimeFigureOut">
               <a:rPr lang="en-US" smtClean="0"/>
               <a:pPr/>
-              <a:t>6/23/16</a:t>
+              <a:t>7/13/16</a:t>
             </a:fld>
             <a:endParaRPr lang="en-US"/>
           </a:p>
@@ -17052,7 +17044,7 @@
             <a:fld id="{0459C166-16D3-4A25-A2F8-C51E0E346B22}" type="datetimeFigureOut">
               <a:rPr lang="en-US" smtClean="0"/>
               <a:pPr/>
-              <a:t>6/23/16</a:t>
+              <a:t>7/13/16</a:t>
             </a:fld>
             <a:endParaRPr lang="en-US"/>
           </a:p>
@@ -24627,7 +24619,7 @@
                 <a:latin typeface="Segoe UI"/>
               </a:rPr>
               <a:pPr/>
-              <a:t>6/23/16</a:t>
+              <a:t>7/13/16</a:t>
             </a:fld>
             <a:endParaRPr lang="en-US">
               <a:solidFill>
@@ -25336,7 +25328,7 @@
             <a:fld id="{0459C166-16D3-4A25-A2F8-C51E0E346B22}" type="datetimeFigureOut">
               <a:rPr lang="en-US" smtClean="0"/>
               <a:pPr/>
-              <a:t>6/23/16</a:t>
+              <a:t>7/13/16</a:t>
             </a:fld>
             <a:endParaRPr lang="en-US"/>
           </a:p>
@@ -25549,7 +25541,7 @@
             <a:fld id="{0459C166-16D3-4A25-A2F8-C51E0E346B22}" type="datetimeFigureOut">
               <a:rPr lang="en-US" smtClean="0"/>
               <a:pPr/>
-              <a:t>6/23/16</a:t>
+              <a:t>7/13/16</a:t>
             </a:fld>
             <a:endParaRPr lang="en-US"/>
           </a:p>
@@ -26102,7 +26094,7 @@
                 <a:latin typeface="Segoe UI"/>
               </a:rPr>
               <a:pPr/>
-              <a:t>6/23/16</a:t>
+              <a:t>7/13/16</a:t>
             </a:fld>
             <a:endParaRPr lang="en-US">
               <a:solidFill>
@@ -26682,7 +26674,7 @@
                 <a:latin typeface="Segoe UI"/>
               </a:rPr>
               <a:pPr/>
-              <a:t>6/23/16</a:t>
+              <a:t>7/13/16</a:t>
             </a:fld>
             <a:endParaRPr lang="en-US">
               <a:solidFill>
@@ -41632,7 +41624,7 @@
   <a:extraClrSchemeLst/>
   <a:extLst>
     <a:ext uri="{05A4C25C-085E-4340-85A3-A5531E510DB2}">
-      <thm15:themeFamily xmlns="" xmlns:thm15="http://schemas.microsoft.com/office/thememl/2012/main" name="Office Theme" id="{62F939B6-93AF-4DB8-9C6B-D6C7DFDC589F}" vid="{4A3C46E8-61CC-4603-A589-7422A47A8E4A}"/>
+      <thm15:themeFamily xmlns:thm15="http://schemas.microsoft.com/office/thememl/2012/main" xmlns="" name="Office Theme" id="{62F939B6-93AF-4DB8-9C6B-D6C7DFDC589F}" vid="{4A3C46E8-61CC-4603-A589-7422A47A8E4A}"/>
     </a:ext>
   </a:extLst>
 </a:theme>
@@ -41901,7 +41893,7 @@
   <a:extraClrSchemeLst/>
   <a:extLst>
     <a:ext uri="{05A4C25C-085E-4340-85A3-A5531E510DB2}">
-      <thm15:themeFamily xmlns="" xmlns:thm15="http://schemas.microsoft.com/office/thememl/2012/main" name="Office Theme" id="{62F939B6-93AF-4DB8-9C6B-D6C7DFDC589F}" vid="{4A3C46E8-61CC-4603-A589-7422A47A8E4A}"/>
+      <thm15:themeFamily xmlns:thm15="http://schemas.microsoft.com/office/thememl/2012/main" xmlns="" name="Office Theme" id="{62F939B6-93AF-4DB8-9C6B-D6C7DFDC589F}" vid="{4A3C46E8-61CC-4603-A589-7422A47A8E4A}"/>
     </a:ext>
   </a:extLst>
 </a:theme>
@@ -42170,7 +42162,7 @@
   <a:extraClrSchemeLst/>
   <a:extLst>
     <a:ext uri="{05A4C25C-085E-4340-85A3-A5531E510DB2}">
-      <thm15:themeFamily xmlns="" xmlns:thm15="http://schemas.microsoft.com/office/thememl/2012/main" name="Office Theme" id="{62F939B6-93AF-4DB8-9C6B-D6C7DFDC589F}" vid="{4A3C46E8-61CC-4603-A589-7422A47A8E4A}"/>
+      <thm15:themeFamily xmlns:thm15="http://schemas.microsoft.com/office/thememl/2012/main" xmlns="" name="Office Theme" id="{62F939B6-93AF-4DB8-9C6B-D6C7DFDC589F}" vid="{4A3C46E8-61CC-4603-A589-7422A47A8E4A}"/>
     </a:ext>
   </a:extLst>
 </a:theme>
@@ -42503,7 +42495,7 @@
   <a:extraClrSchemeLst/>
   <a:extLst>
     <a:ext uri="{05A4C25C-085E-4340-85A3-A5531E510DB2}">
-      <thm15:themeFamily xmlns:thm15="http://schemas.microsoft.com/office/thememl/2012/main" xmlns="" name="Azure4ResearchTemplate" id="{DD1C6CE8-BDBA-0D4F-9930-3643ABC8EF0E}" vid="{B5C66FD7-0952-994B-96D6-AB3BB89097FE}"/>
+      <thm15:themeFamily xmlns="" xmlns:thm15="http://schemas.microsoft.com/office/thememl/2012/main" name="Azure4ResearchTemplate" id="{DD1C6CE8-BDBA-0D4F-9930-3643ABC8EF0E}" vid="{B5C66FD7-0952-994B-96D6-AB3BB89097FE}"/>
     </a:ext>
   </a:extLst>
 </a:theme>
@@ -42798,7 +42790,7 @@
   <a:extraClrSchemeLst/>
   <a:extLst>
     <a:ext uri="{05A4C25C-085E-4340-85A3-A5531E510DB2}">
-      <thm15:themeFamily xmlns="" xmlns:thm15="http://schemas.microsoft.com/office/thememl/2012/main" name="Office Theme" id="{62F939B6-93AF-4DB8-9C6B-D6C7DFDC589F}" vid="{4A3C46E8-61CC-4603-A589-7422A47A8E4A}"/>
+      <thm15:themeFamily xmlns:thm15="http://schemas.microsoft.com/office/thememl/2012/main" xmlns="" name="Office Theme" id="{62F939B6-93AF-4DB8-9C6B-D6C7DFDC589F}" vid="{4A3C46E8-61CC-4603-A589-7422A47A8E4A}"/>
     </a:ext>
   </a:extLst>
 </a:theme>

--- a/Complimentary Course Content/Module4/Lessons/Module4_Lesson06 Hive Databases and Tables.pptx
+++ b/Complimentary Course Content/Module4/Lessons/Module4_Lesson06 Hive Databases and Tables.pptx
@@ -132,7 +132,18 @@
   </p:defaultTextStyle>
   <p:extLst>
     <p:ext uri="{EFAFB233-063F-42B5-8137-9DF3F51BA10A}">
-      <p15:sldGuideLst xmlns:p15="http://schemas.microsoft.com/office/powerpoint/2012/main" xmlns=""/>
+      <p15:sldGuideLst xmlns:p15="http://schemas.microsoft.com/office/powerpoint/2012/main">
+        <p15:guide id="1" orient="horz" pos="2160">
+          <p15:clr>
+            <a:srgbClr val="A4A3A4"/>
+          </p15:clr>
+        </p15:guide>
+        <p15:guide id="2" pos="3840">
+          <p15:clr>
+            <a:srgbClr val="A4A3A4"/>
+          </p15:clr>
+        </p15:guide>
+      </p15:sldGuideLst>
     </p:ext>
   </p:extLst>
 </p:presentation>
@@ -143,15 +154,6 @@
   <p:cmAuthor id="0" name="Bev Weiler" initials="BSW" lastIdx="1" clrIdx="0"/>
   <p:cmAuthor id="1" name="Mary Kate Reid" initials="" lastIdx="0" clrIdx="1"/>
 </p:cmAuthorLst>
-</file>
-
-<file path=ppt/comments/comment1.xml><?xml version="1.0" encoding="utf-8"?>
-<p:cmLst xmlns:a="http://schemas.openxmlformats.org/drawingml/2006/main" xmlns:r="http://schemas.openxmlformats.org/officeDocument/2006/relationships" xmlns:p="http://schemas.openxmlformats.org/presentationml/2006/main">
-  <p:cm authorId="0" dt="2016-05-10T19:25:31.978" idx="1">
-    <p:pos x="-7" y="10"/>
-    <p:text>"use FiRST instead of AFTER" needs to be shown rather than described. I added the last set of words as the abbreviation you used was unclear. If they do not reflect your intended meaning, please fix.</p:text>
-  </p:cm>
-</p:cmLst>
 </file>
 
 <file path=ppt/notesMasters/notesMaster1.xml><?xml version="1.0" encoding="utf-8"?>
@@ -237,7 +239,7 @@
             <a:fld id="{49B60EF2-7028-489F-85D8-FE86CD7CF2A0}" type="datetimeFigureOut">
               <a:rPr lang="en-US" smtClean="0"/>
               <a:pPr/>
-              <a:t>7/13/16</a:t>
+              <a:t>9/15/16</a:t>
             </a:fld>
             <a:endParaRPr lang="en-US"/>
           </a:p>
@@ -2226,6 +2228,11 @@
         </p:txBody>
       </p:sp>
     </p:spTree>
+    <p:extLst>
+      <p:ext uri="{BB962C8B-B14F-4D97-AF65-F5344CB8AC3E}">
+        <p14:creationId xmlns:p14="http://schemas.microsoft.com/office/powerpoint/2010/main" val="675649296"/>
+      </p:ext>
+    </p:extLst>
   </p:cSld>
   <p:clrMapOvr>
     <a:masterClrMapping/>
@@ -2883,7 +2890,7 @@
             <a:fld id="{0459C166-16D3-4A25-A2F8-C51E0E346B22}" type="datetimeFigureOut">
               <a:rPr lang="en-US" smtClean="0"/>
               <a:pPr/>
-              <a:t>7/13/16</a:t>
+              <a:t>9/15/16</a:t>
             </a:fld>
             <a:endParaRPr lang="en-US"/>
           </a:p>
@@ -3249,7 +3256,7 @@
             <a:fld id="{0459C166-16D3-4A25-A2F8-C51E0E346B22}" type="datetimeFigureOut">
               <a:rPr lang="en-US" smtClean="0"/>
               <a:pPr/>
-              <a:t>7/13/16</a:t>
+              <a:t>9/15/16</a:t>
             </a:fld>
             <a:endParaRPr lang="en-US"/>
           </a:p>
@@ -3368,7 +3375,7 @@
             <a:fld id="{0459C166-16D3-4A25-A2F8-C51E0E346B22}" type="datetimeFigureOut">
               <a:rPr lang="en-US" smtClean="0"/>
               <a:pPr/>
-              <a:t>7/13/16</a:t>
+              <a:t>9/15/16</a:t>
             </a:fld>
             <a:endParaRPr lang="en-US"/>
           </a:p>
@@ -3465,7 +3472,7 @@
             <a:fld id="{0459C166-16D3-4A25-A2F8-C51E0E346B22}" type="datetimeFigureOut">
               <a:rPr lang="en-US" smtClean="0"/>
               <a:pPr/>
-              <a:t>7/13/16</a:t>
+              <a:t>9/15/16</a:t>
             </a:fld>
             <a:endParaRPr lang="en-US"/>
           </a:p>
@@ -3742,7 +3749,7 @@
             <a:fld id="{0459C166-16D3-4A25-A2F8-C51E0E346B22}" type="datetimeFigureOut">
               <a:rPr lang="en-US" smtClean="0"/>
               <a:pPr/>
-              <a:t>7/13/16</a:t>
+              <a:t>9/15/16</a:t>
             </a:fld>
             <a:endParaRPr lang="en-US"/>
           </a:p>
@@ -3996,7 +4003,7 @@
             <a:fld id="{0459C166-16D3-4A25-A2F8-C51E0E346B22}" type="datetimeFigureOut">
               <a:rPr lang="en-US" smtClean="0"/>
               <a:pPr/>
-              <a:t>7/13/16</a:t>
+              <a:t>9/15/16</a:t>
             </a:fld>
             <a:endParaRPr lang="en-US"/>
           </a:p>
@@ -4166,7 +4173,7 @@
             <a:fld id="{0459C166-16D3-4A25-A2F8-C51E0E346B22}" type="datetimeFigureOut">
               <a:rPr lang="en-US" smtClean="0"/>
               <a:pPr/>
-              <a:t>7/13/16</a:t>
+              <a:t>9/15/16</a:t>
             </a:fld>
             <a:endParaRPr lang="en-US"/>
           </a:p>
@@ -4346,7 +4353,7 @@
             <a:fld id="{0459C166-16D3-4A25-A2F8-C51E0E346B22}" type="datetimeFigureOut">
               <a:rPr lang="en-US" smtClean="0"/>
               <a:pPr/>
-              <a:t>7/13/16</a:t>
+              <a:t>9/15/16</a:t>
             </a:fld>
             <a:endParaRPr lang="en-US"/>
           </a:p>
@@ -4557,7 +4564,7 @@
   <p:clrMapOvr>
     <a:masterClrMapping/>
   </p:clrMapOvr>
-  <p:transition xmlns:p14="http://schemas.microsoft.com/office/powerpoint/2010/main">
+  <p:transition>
     <p:fade/>
   </p:transition>
 </p:sldLayout>
@@ -4718,7 +4725,7 @@
                 <a:latin typeface="Segoe UI"/>
               </a:rPr>
               <a:pPr/>
-              <a:t>7/13/16</a:t>
+              <a:t>9/15/16</a:t>
             </a:fld>
             <a:endParaRPr lang="en-US">
               <a:solidFill>
@@ -4923,7 +4930,7 @@
                 <a:latin typeface="Segoe UI"/>
               </a:rPr>
               <a:pPr/>
-              <a:t>7/13/16</a:t>
+              <a:t>9/15/16</a:t>
             </a:fld>
             <a:endParaRPr lang="en-US">
               <a:solidFill>
@@ -5121,7 +5128,7 @@
             <a:fld id="{0459C166-16D3-4A25-A2F8-C51E0E346B22}" type="datetimeFigureOut">
               <a:rPr lang="en-US" smtClean="0"/>
               <a:pPr/>
-              <a:t>7/13/16</a:t>
+              <a:t>9/15/16</a:t>
             </a:fld>
             <a:endParaRPr lang="en-US"/>
           </a:p>
@@ -5391,7 +5398,7 @@
                 <a:latin typeface="Segoe UI"/>
               </a:rPr>
               <a:pPr/>
-              <a:t>7/13/16</a:t>
+              <a:t>9/15/16</a:t>
             </a:fld>
             <a:endParaRPr lang="en-US">
               <a:solidFill>
@@ -5735,7 +5742,7 @@
                 <a:latin typeface="Segoe UI"/>
               </a:rPr>
               <a:pPr/>
-              <a:t>7/13/16</a:t>
+              <a:t>9/15/16</a:t>
             </a:fld>
             <a:endParaRPr lang="en-US">
               <a:solidFill>
@@ -6110,7 +6117,7 @@
                 <a:latin typeface="Segoe UI"/>
               </a:rPr>
               <a:pPr/>
-              <a:t>7/13/16</a:t>
+              <a:t>9/15/16</a:t>
             </a:fld>
             <a:endParaRPr lang="en-US">
               <a:solidFill>
@@ -7054,7 +7061,7 @@
                 <a:latin typeface="Segoe UI"/>
               </a:rPr>
               <a:pPr/>
-              <a:t>7/13/16</a:t>
+              <a:t>9/15/16</a:t>
             </a:fld>
             <a:endParaRPr lang="en-US">
               <a:solidFill>
@@ -7455,7 +7462,7 @@
                 <a:latin typeface="Segoe UI"/>
               </a:rPr>
               <a:pPr/>
-              <a:t>7/13/16</a:t>
+              <a:t>9/15/16</a:t>
             </a:fld>
             <a:endParaRPr lang="en-US">
               <a:solidFill>
@@ -7609,7 +7616,7 @@
                 <a:latin typeface="Segoe UI"/>
               </a:rPr>
               <a:pPr/>
-              <a:t>7/13/16</a:t>
+              <a:t>9/15/16</a:t>
             </a:fld>
             <a:endParaRPr lang="en-US">
               <a:solidFill>
@@ -7741,7 +7748,7 @@
                 <a:latin typeface="Segoe UI"/>
               </a:rPr>
               <a:pPr/>
-              <a:t>7/13/16</a:t>
+              <a:t>9/15/16</a:t>
             </a:fld>
             <a:endParaRPr lang="en-US">
               <a:solidFill>
@@ -8034,7 +8041,7 @@
             <a:fld id="{0459C166-16D3-4A25-A2F8-C51E0E346B22}" type="datetimeFigureOut">
               <a:rPr lang="en-US" smtClean="0"/>
               <a:pPr/>
-              <a:t>7/13/16</a:t>
+              <a:t>9/15/16</a:t>
             </a:fld>
             <a:endParaRPr lang="en-US"/>
           </a:p>
@@ -8334,7 +8341,7 @@
                 <a:latin typeface="Segoe UI"/>
               </a:rPr>
               <a:pPr/>
-              <a:t>7/13/16</a:t>
+              <a:t>9/15/16</a:t>
             </a:fld>
             <a:endParaRPr lang="en-US">
               <a:solidFill>
@@ -8623,7 +8630,7 @@
                 <a:latin typeface="Segoe UI"/>
               </a:rPr>
               <a:pPr/>
-              <a:t>7/13/16</a:t>
+              <a:t>9/15/16</a:t>
             </a:fld>
             <a:endParaRPr lang="en-US">
               <a:solidFill>
@@ -8828,7 +8835,7 @@
                 <a:latin typeface="Segoe UI"/>
               </a:rPr>
               <a:pPr/>
-              <a:t>7/13/16</a:t>
+              <a:t>9/15/16</a:t>
             </a:fld>
             <a:endParaRPr lang="en-US">
               <a:solidFill>
@@ -9043,7 +9050,7 @@
                 <a:latin typeface="Segoe UI"/>
               </a:rPr>
               <a:pPr/>
-              <a:t>7/13/16</a:t>
+              <a:t>9/15/16</a:t>
             </a:fld>
             <a:endParaRPr lang="en-US">
               <a:solidFill>
@@ -9288,7 +9295,7 @@
                 <a:latin typeface="Segoe UI"/>
               </a:rPr>
               <a:pPr/>
-              <a:t>7/13/16</a:t>
+              <a:t>9/15/16</a:t>
             </a:fld>
             <a:endParaRPr lang="en-US">
               <a:solidFill>
@@ -9493,7 +9500,7 @@
                 <a:latin typeface="Segoe UI"/>
               </a:rPr>
               <a:pPr/>
-              <a:t>7/13/16</a:t>
+              <a:t>9/15/16</a:t>
             </a:fld>
             <a:endParaRPr lang="en-US">
               <a:solidFill>
@@ -9791,7 +9798,7 @@
                 <a:latin typeface="Segoe UI"/>
               </a:rPr>
               <a:pPr/>
-              <a:t>7/13/16</a:t>
+              <a:t>9/15/16</a:t>
             </a:fld>
             <a:endParaRPr lang="en-US">
               <a:solidFill>
@@ -10135,7 +10142,7 @@
                 <a:latin typeface="Segoe UI"/>
               </a:rPr>
               <a:pPr/>
-              <a:t>7/13/16</a:t>
+              <a:t>9/15/16</a:t>
             </a:fld>
             <a:endParaRPr lang="en-US">
               <a:solidFill>
@@ -10510,7 +10517,7 @@
                 <a:latin typeface="Segoe UI"/>
               </a:rPr>
               <a:pPr/>
-              <a:t>7/13/16</a:t>
+              <a:t>9/15/16</a:t>
             </a:fld>
             <a:endParaRPr lang="en-US">
               <a:solidFill>
@@ -11636,7 +11643,7 @@
                 <a:latin typeface="Segoe UI"/>
               </a:rPr>
               <a:pPr/>
-              <a:t>7/13/16</a:t>
+              <a:t>9/15/16</a:t>
             </a:fld>
             <a:endParaRPr lang="en-US">
               <a:solidFill>
@@ -12037,7 +12044,7 @@
                 <a:latin typeface="Segoe UI"/>
               </a:rPr>
               <a:pPr/>
-              <a:t>7/13/16</a:t>
+              <a:t>9/15/16</a:t>
             </a:fld>
             <a:endParaRPr lang="en-US">
               <a:solidFill>
@@ -12191,7 +12198,7 @@
                 <a:latin typeface="Segoe UI"/>
               </a:rPr>
               <a:pPr/>
-              <a:t>7/13/16</a:t>
+              <a:t>9/15/16</a:t>
             </a:fld>
             <a:endParaRPr lang="en-US">
               <a:solidFill>
@@ -12323,7 +12330,7 @@
                 <a:latin typeface="Segoe UI"/>
               </a:rPr>
               <a:pPr/>
-              <a:t>7/13/16</a:t>
+              <a:t>9/15/16</a:t>
             </a:fld>
             <a:endParaRPr lang="en-US">
               <a:solidFill>
@@ -12635,7 +12642,7 @@
                 <a:latin typeface="Segoe UI"/>
               </a:rPr>
               <a:pPr/>
-              <a:t>7/13/16</a:t>
+              <a:t>9/15/16</a:t>
             </a:fld>
             <a:endParaRPr lang="en-US">
               <a:solidFill>
@@ -12924,7 +12931,7 @@
                 <a:latin typeface="Segoe UI"/>
               </a:rPr>
               <a:pPr/>
-              <a:t>7/13/16</a:t>
+              <a:t>9/15/16</a:t>
             </a:fld>
             <a:endParaRPr lang="en-US">
               <a:solidFill>
@@ -13129,7 +13136,7 @@
                 <a:latin typeface="Segoe UI"/>
               </a:rPr>
               <a:pPr/>
-              <a:t>7/13/16</a:t>
+              <a:t>9/15/16</a:t>
             </a:fld>
             <a:endParaRPr lang="en-US">
               <a:solidFill>
@@ -13344,7 +13351,7 @@
                 <a:latin typeface="Segoe UI"/>
               </a:rPr>
               <a:pPr/>
-              <a:t>7/13/16</a:t>
+              <a:t>9/15/16</a:t>
             </a:fld>
             <a:endParaRPr lang="en-US">
               <a:solidFill>
@@ -13491,7 +13498,7 @@
             <a:fld id="{0459C166-16D3-4A25-A2F8-C51E0E346B22}" type="datetimeFigureOut">
               <a:rPr lang="en-US" smtClean="0"/>
               <a:pPr/>
-              <a:t>7/13/16</a:t>
+              <a:t>9/15/16</a:t>
             </a:fld>
             <a:endParaRPr lang="en-US"/>
           </a:p>
@@ -14016,7 +14023,7 @@
   <p:clrMapOvr>
     <a:masterClrMapping/>
   </p:clrMapOvr>
-  <p:transition xmlns:p14="http://schemas.microsoft.com/office/powerpoint/2010/main">
+  <p:transition>
     <p:fade/>
   </p:transition>
 </p:sldLayout>
@@ -14169,7 +14176,7 @@
   <p:clrMapOvr>
     <a:masterClrMapping/>
   </p:clrMapOvr>
-  <p:transition xmlns:p14="http://schemas.microsoft.com/office/powerpoint/2010/main">
+  <p:transition>
     <p:fade/>
   </p:transition>
 </p:sldLayout>
@@ -14536,7 +14543,7 @@
   <p:clrMapOvr>
     <a:masterClrMapping/>
   </p:clrMapOvr>
-  <p:transition xmlns:p14="http://schemas.microsoft.com/office/powerpoint/2010/main">
+  <p:transition>
     <p:fade/>
   </p:transition>
 </p:sldLayout>
@@ -14993,7 +15000,7 @@
   <p:clrMapOvr>
     <a:masterClrMapping/>
   </p:clrMapOvr>
-  <p:transition xmlns:p14="http://schemas.microsoft.com/office/powerpoint/2010/main">
+  <p:transition>
     <p:fade/>
   </p:transition>
 </p:sldLayout>
@@ -15556,7 +15563,7 @@
   <p:clrMapOvr>
     <a:masterClrMapping/>
   </p:clrMapOvr>
-  <p:transition xmlns:p14="http://schemas.microsoft.com/office/powerpoint/2010/main">
+  <p:transition>
     <p:fade/>
   </p:transition>
 </p:sldLayout>
@@ -15658,7 +15665,7 @@
   <p:clrMapOvr>
     <a:masterClrMapping/>
   </p:clrMapOvr>
-  <p:transition xmlns:p14="http://schemas.microsoft.com/office/powerpoint/2010/main">
+  <p:transition>
     <p:fade/>
   </p:transition>
 </p:sldLayout>
@@ -15728,7 +15735,7 @@
   <p:clrMapOvr>
     <a:masterClrMapping/>
   </p:clrMapOvr>
-  <p:transition xmlns:p14="http://schemas.microsoft.com/office/powerpoint/2010/main">
+  <p:transition>
     <p:fade/>
   </p:transition>
 </p:sldLayout>
@@ -15761,7 +15768,7 @@
   <p:clrMapOvr>
     <a:masterClrMapping/>
   </p:clrMapOvr>
-  <p:transition xmlns:p14="http://schemas.microsoft.com/office/powerpoint/2010/main">
+  <p:transition>
     <p:fade/>
   </p:transition>
 </p:sldLayout>
@@ -16357,7 +16364,7 @@
   <p:clrMapOvr>
     <a:masterClrMapping/>
   </p:clrMapOvr>
-  <p:transition xmlns:p14="http://schemas.microsoft.com/office/powerpoint/2010/main">
+  <p:transition>
     <p:fade/>
   </p:transition>
 </p:sldLayout>
@@ -16980,7 +16987,7 @@
   <p:clrMapOvr>
     <a:masterClrMapping/>
   </p:clrMapOvr>
-  <p:transition xmlns:p14="http://schemas.microsoft.com/office/powerpoint/2010/main">
+  <p:transition>
     <p:fade/>
   </p:transition>
 </p:sldLayout>
@@ -17044,7 +17051,7 @@
             <a:fld id="{0459C166-16D3-4A25-A2F8-C51E0E346B22}" type="datetimeFigureOut">
               <a:rPr lang="en-US" smtClean="0"/>
               <a:pPr/>
-              <a:t>7/13/16</a:t>
+              <a:t>9/15/16</a:t>
             </a:fld>
             <a:endParaRPr lang="en-US"/>
           </a:p>
@@ -17922,7 +17929,7 @@
           </a:ln>
           <a:extLst>
             <a:ext uri="{91240B29-F687-4f45-9708-019B960494DF}">
-              <a14:hiddenLine xmlns:a14="http://schemas.microsoft.com/office/drawing/2010/main" w="9525">
+              <a14:hiddenLine xmlns:a14="http://schemas.microsoft.com/office/drawing/2010/main" xmlns="" w="9525">
                 <a:solidFill>
                   <a:srgbClr val="000000"/>
                 </a:solidFill>
@@ -17961,7 +17968,7 @@
   <p:clrMapOvr>
     <a:masterClrMapping/>
   </p:clrMapOvr>
-  <p:transition xmlns:p14="http://schemas.microsoft.com/office/powerpoint/2010/main">
+  <p:transition>
     <p:fade/>
   </p:transition>
 </p:sldLayout>
@@ -19567,7 +19574,7 @@
   <p:clrMapOvr>
     <a:masterClrMapping/>
   </p:clrMapOvr>
-  <p:transition xmlns:p14="http://schemas.microsoft.com/office/powerpoint/2010/main">
+  <p:transition>
     <p:fade/>
   </p:transition>
 </p:sldLayout>
@@ -20197,7 +20204,7 @@
   <p:clrMapOvr>
     <a:masterClrMapping/>
   </p:clrMapOvr>
-  <p:transition xmlns:p14="http://schemas.microsoft.com/office/powerpoint/2010/main">
+  <p:transition>
     <p:fade/>
   </p:transition>
 </p:sldLayout>
@@ -20504,7 +20511,7 @@
             </a:ln>
             <a:extLst>
               <a:ext uri="{91240B29-F687-4f45-9708-019B960494DF}">
-                <a14:hiddenLine xmlns:a14="http://schemas.microsoft.com/office/drawing/2010/main" w="9525">
+                <a14:hiddenLine xmlns:a14="http://schemas.microsoft.com/office/drawing/2010/main" xmlns="" w="9525">
                   <a:solidFill>
                     <a:srgbClr val="000000"/>
                   </a:solidFill>
@@ -21084,7 +21091,7 @@
             </a:ln>
             <a:extLst>
               <a:ext uri="{91240B29-F687-4f45-9708-019B960494DF}">
-                <a14:hiddenLine xmlns:a14="http://schemas.microsoft.com/office/drawing/2010/main" w="9525">
+                <a14:hiddenLine xmlns:a14="http://schemas.microsoft.com/office/drawing/2010/main" xmlns="" w="9525">
                   <a:solidFill>
                     <a:srgbClr val="000000"/>
                   </a:solidFill>
@@ -21124,7 +21131,7 @@
   <p:clrMapOvr>
     <a:masterClrMapping/>
   </p:clrMapOvr>
-  <p:transition xmlns:p14="http://schemas.microsoft.com/office/powerpoint/2010/main">
+  <p:transition>
     <p:fade/>
   </p:transition>
 </p:sldLayout>
@@ -21261,7 +21268,7 @@
   <p:clrMapOvr>
     <a:masterClrMapping/>
   </p:clrMapOvr>
-  <p:transition xmlns:p14="http://schemas.microsoft.com/office/powerpoint/2010/main">
+  <p:transition>
     <p:fade/>
   </p:transition>
 </p:sldLayout>
@@ -22527,7 +22534,7 @@
             </a:ln>
             <a:extLst>
               <a:ext uri="{91240B29-F687-4f45-9708-019B960494DF}">
-                <a14:hiddenLine xmlns:a14="http://schemas.microsoft.com/office/drawing/2010/main" w="9525">
+                <a14:hiddenLine xmlns:a14="http://schemas.microsoft.com/office/drawing/2010/main" xmlns="" w="9525">
                   <a:solidFill>
                     <a:srgbClr val="000000"/>
                   </a:solidFill>
@@ -22579,7 +22586,7 @@
             </a:ln>
             <a:extLst>
               <a:ext uri="{91240B29-F687-4f45-9708-019B960494DF}">
-                <a14:hiddenLine xmlns:a14="http://schemas.microsoft.com/office/drawing/2010/main" w="9525">
+                <a14:hiddenLine xmlns:a14="http://schemas.microsoft.com/office/drawing/2010/main" xmlns="" w="9525">
                   <a:solidFill>
                     <a:srgbClr val="000000"/>
                   </a:solidFill>
@@ -22631,7 +22638,7 @@
             </a:ln>
             <a:extLst>
               <a:ext uri="{91240B29-F687-4f45-9708-019B960494DF}">
-                <a14:hiddenLine xmlns:a14="http://schemas.microsoft.com/office/drawing/2010/main" w="9525">
+                <a14:hiddenLine xmlns:a14="http://schemas.microsoft.com/office/drawing/2010/main" xmlns="" w="9525">
                   <a:solidFill>
                     <a:srgbClr val="000000"/>
                   </a:solidFill>
@@ -22683,7 +22690,7 @@
             </a:ln>
             <a:extLst>
               <a:ext uri="{91240B29-F687-4f45-9708-019B960494DF}">
-                <a14:hiddenLine xmlns:a14="http://schemas.microsoft.com/office/drawing/2010/main" w="9525">
+                <a14:hiddenLine xmlns:a14="http://schemas.microsoft.com/office/drawing/2010/main" xmlns="" w="9525">
                   <a:solidFill>
                     <a:srgbClr val="000000"/>
                   </a:solidFill>
@@ -22735,7 +22742,7 @@
             </a:ln>
             <a:extLst>
               <a:ext uri="{91240B29-F687-4f45-9708-019B960494DF}">
-                <a14:hiddenLine xmlns:a14="http://schemas.microsoft.com/office/drawing/2010/main" w="9525">
+                <a14:hiddenLine xmlns:a14="http://schemas.microsoft.com/office/drawing/2010/main" xmlns="" w="9525">
                   <a:solidFill>
                     <a:srgbClr val="000000"/>
                   </a:solidFill>
@@ -22887,7 +22894,7 @@
   <p:clrMapOvr>
     <a:overrideClrMapping bg1="lt1" tx1="dk1" bg2="lt2" tx2="dk2" accent1="accent1" accent2="accent2" accent3="accent3" accent4="accent4" accent5="accent5" accent6="accent6" hlink="hlink" folHlink="folHlink"/>
   </p:clrMapOvr>
-  <p:transition xmlns:p14="http://schemas.microsoft.com/office/powerpoint/2010/main">
+  <p:transition>
     <p:fade/>
   </p:transition>
 </p:sldLayout>
@@ -23140,7 +23147,7 @@
   <p:clrMapOvr>
     <a:masterClrMapping/>
   </p:clrMapOvr>
-  <p:transition xmlns:p14="http://schemas.microsoft.com/office/powerpoint/2010/main">
+  <p:transition>
     <p:fade/>
   </p:transition>
 </p:sldLayout>
@@ -23446,7 +23453,7 @@
   <p:clrMapOvr>
     <a:masterClrMapping/>
   </p:clrMapOvr>
-  <p:transition xmlns:p14="http://schemas.microsoft.com/office/powerpoint/2010/main">
+  <p:transition>
     <p:fade/>
   </p:transition>
 </p:sldLayout>
@@ -23661,7 +23668,7 @@
   <p:clrMapOvr>
     <a:masterClrMapping/>
   </p:clrMapOvr>
-  <p:transition xmlns:p14="http://schemas.microsoft.com/office/powerpoint/2010/main">
+  <p:transition>
     <p:fade/>
   </p:transition>
 </p:sldLayout>
@@ -24498,7 +24505,7 @@
   <p:clrMapOvr>
     <a:masterClrMapping/>
   </p:clrMapOvr>
-  <p:transition xmlns:p14="http://schemas.microsoft.com/office/powerpoint/2010/main">
+  <p:transition>
     <p:fade/>
   </p:transition>
 </p:sldLayout>
@@ -24619,7 +24626,7 @@
                 <a:latin typeface="Segoe UI"/>
               </a:rPr>
               <a:pPr/>
-              <a:t>7/13/16</a:t>
+              <a:t>9/15/16</a:t>
             </a:fld>
             <a:endParaRPr lang="en-US">
               <a:solidFill>
@@ -25328,7 +25335,7 @@
             <a:fld id="{0459C166-16D3-4A25-A2F8-C51E0E346B22}" type="datetimeFigureOut">
               <a:rPr lang="en-US" smtClean="0"/>
               <a:pPr/>
-              <a:t>7/13/16</a:t>
+              <a:t>9/15/16</a:t>
             </a:fld>
             <a:endParaRPr lang="en-US"/>
           </a:p>
@@ -25541,7 +25548,7 @@
             <a:fld id="{0459C166-16D3-4A25-A2F8-C51E0E346B22}" type="datetimeFigureOut">
               <a:rPr lang="en-US" smtClean="0"/>
               <a:pPr/>
-              <a:t>7/13/16</a:t>
+              <a:t>9/15/16</a:t>
             </a:fld>
             <a:endParaRPr lang="en-US"/>
           </a:p>
@@ -26094,7 +26101,7 @@
                 <a:latin typeface="Segoe UI"/>
               </a:rPr>
               <a:pPr/>
-              <a:t>7/13/16</a:t>
+              <a:t>9/15/16</a:t>
             </a:fld>
             <a:endParaRPr lang="en-US">
               <a:solidFill>
@@ -26674,7 +26681,7 @@
                 <a:latin typeface="Segoe UI"/>
               </a:rPr>
               <a:pPr/>
-              <a:t>7/13/16</a:t>
+              <a:t>9/15/16</a:t>
             </a:fld>
             <a:endParaRPr lang="en-US">
               <a:solidFill>
@@ -27249,7 +27256,7 @@
     <p:sldLayoutId id="2147483722" r:id="rId22"/>
     <p:sldLayoutId id="2147483723" r:id="rId23"/>
   </p:sldLayoutIdLst>
-  <p:transition xmlns:p14="http://schemas.microsoft.com/office/powerpoint/2010/main">
+  <p:transition>
     <p:fade/>
   </p:transition>
   <p:txStyles>
@@ -27731,7 +27738,7 @@
   <p:timing>
     <p:tnLst>
       <p:par>
-        <p:cTn xmlns:p14="http://schemas.microsoft.com/office/powerpoint/2010/main" id="1" dur="indefinite" restart="never" nodeType="tmRoot"/>
+        <p:cTn id="1" dur="indefinite" restart="never" nodeType="tmRoot"/>
       </p:par>
     </p:tnLst>
   </p:timing>
@@ -30118,7 +30125,7 @@
   <p:clrMapOvr>
     <a:masterClrMapping/>
   </p:clrMapOvr>
-  <p:transition xmlns:p14="http://schemas.microsoft.com/office/powerpoint/2010/main">
+  <p:transition>
     <p:fade/>
   </p:transition>
 </p:sld>
@@ -35389,7 +35396,7 @@
   <p:timing>
     <p:tnLst>
       <p:par>
-        <p:cTn xmlns:p14="http://schemas.microsoft.com/office/powerpoint/2010/main" id="1" dur="indefinite" restart="never" nodeType="tmRoot"/>
+        <p:cTn id="1" dur="indefinite" restart="never" nodeType="tmRoot"/>
       </p:par>
     </p:tnLst>
   </p:timing>
@@ -36611,7 +36618,7 @@
   <p:timing>
     <p:tnLst>
       <p:par>
-        <p:cTn xmlns:p14="http://schemas.microsoft.com/office/powerpoint/2010/main" id="1" dur="indefinite" restart="never" nodeType="tmRoot"/>
+        <p:cTn id="1" dur="indefinite" restart="never" nodeType="tmRoot"/>
       </p:par>
     </p:tnLst>
   </p:timing>
@@ -37043,7 +37050,7 @@
   <p:timing>
     <p:tnLst>
       <p:par>
-        <p:cTn xmlns:p14="http://schemas.microsoft.com/office/powerpoint/2010/main" id="1" dur="indefinite" restart="never" nodeType="tmRoot"/>
+        <p:cTn id="1" dur="indefinite" restart="never" nodeType="tmRoot"/>
       </p:par>
     </p:tnLst>
   </p:timing>
@@ -37692,7 +37699,7 @@
   <p:timing>
     <p:tnLst>
       <p:par>
-        <p:cTn xmlns:p14="http://schemas.microsoft.com/office/powerpoint/2010/main" id="1" dur="indefinite" restart="never" nodeType="tmRoot"/>
+        <p:cTn id="1" dur="indefinite" restart="never" nodeType="tmRoot"/>
       </p:par>
     </p:tnLst>
   </p:timing>
@@ -38526,7 +38533,7 @@
   <p:timing>
     <p:tnLst>
       <p:par>
-        <p:cTn xmlns:p14="http://schemas.microsoft.com/office/powerpoint/2010/main" id="1" dur="indefinite" restart="never" nodeType="tmRoot"/>
+        <p:cTn id="1" dur="indefinite" restart="never" nodeType="tmRoot"/>
       </p:par>
     </p:tnLst>
   </p:timing>
@@ -38716,7 +38723,7 @@
   <p:timing>
     <p:tnLst>
       <p:par>
-        <p:cTn xmlns:p14="http://schemas.microsoft.com/office/powerpoint/2010/main" id="1" dur="indefinite" restart="never" nodeType="tmRoot"/>
+        <p:cTn id="1" dur="indefinite" restart="never" nodeType="tmRoot"/>
       </p:par>
     </p:tnLst>
   </p:timing>
@@ -41624,7 +41631,7 @@
   <a:extraClrSchemeLst/>
   <a:extLst>
     <a:ext uri="{05A4C25C-085E-4340-85A3-A5531E510DB2}">
-      <thm15:themeFamily xmlns:thm15="http://schemas.microsoft.com/office/thememl/2012/main" xmlns="" name="Office Theme" id="{62F939B6-93AF-4DB8-9C6B-D6C7DFDC589F}" vid="{4A3C46E8-61CC-4603-A589-7422A47A8E4A}"/>
+      <thm15:themeFamily xmlns:thm15="http://schemas.microsoft.com/office/thememl/2012/main" name="Office Theme" id="{62F939B6-93AF-4DB8-9C6B-D6C7DFDC589F}" vid="{4A3C46E8-61CC-4603-A589-7422A47A8E4A}"/>
     </a:ext>
   </a:extLst>
 </a:theme>
@@ -41893,7 +41900,7 @@
   <a:extraClrSchemeLst/>
   <a:extLst>
     <a:ext uri="{05A4C25C-085E-4340-85A3-A5531E510DB2}">
-      <thm15:themeFamily xmlns:thm15="http://schemas.microsoft.com/office/thememl/2012/main" xmlns="" name="Office Theme" id="{62F939B6-93AF-4DB8-9C6B-D6C7DFDC589F}" vid="{4A3C46E8-61CC-4603-A589-7422A47A8E4A}"/>
+      <thm15:themeFamily xmlns:thm15="http://schemas.microsoft.com/office/thememl/2012/main" name="Office Theme" id="{62F939B6-93AF-4DB8-9C6B-D6C7DFDC589F}" vid="{4A3C46E8-61CC-4603-A589-7422A47A8E4A}"/>
     </a:ext>
   </a:extLst>
 </a:theme>
@@ -42162,7 +42169,7 @@
   <a:extraClrSchemeLst/>
   <a:extLst>
     <a:ext uri="{05A4C25C-085E-4340-85A3-A5531E510DB2}">
-      <thm15:themeFamily xmlns:thm15="http://schemas.microsoft.com/office/thememl/2012/main" xmlns="" name="Office Theme" id="{62F939B6-93AF-4DB8-9C6B-D6C7DFDC589F}" vid="{4A3C46E8-61CC-4603-A589-7422A47A8E4A}"/>
+      <thm15:themeFamily xmlns:thm15="http://schemas.microsoft.com/office/thememl/2012/main" name="Office Theme" id="{62F939B6-93AF-4DB8-9C6B-D6C7DFDC589F}" vid="{4A3C46E8-61CC-4603-A589-7422A47A8E4A}"/>
     </a:ext>
   </a:extLst>
 </a:theme>
@@ -42495,7 +42502,7 @@
   <a:extraClrSchemeLst/>
   <a:extLst>
     <a:ext uri="{05A4C25C-085E-4340-85A3-A5531E510DB2}">
-      <thm15:themeFamily xmlns="" xmlns:thm15="http://schemas.microsoft.com/office/thememl/2012/main" name="Azure4ResearchTemplate" id="{DD1C6CE8-BDBA-0D4F-9930-3643ABC8EF0E}" vid="{B5C66FD7-0952-994B-96D6-AB3BB89097FE}"/>
+      <thm15:themeFamily xmlns:thm15="http://schemas.microsoft.com/office/thememl/2012/main" name="Azure4ResearchTemplate" id="{DD1C6CE8-BDBA-0D4F-9930-3643ABC8EF0E}" vid="{B5C66FD7-0952-994B-96D6-AB3BB89097FE}"/>
     </a:ext>
   </a:extLst>
 </a:theme>
@@ -42790,7 +42797,7 @@
   <a:extraClrSchemeLst/>
   <a:extLst>
     <a:ext uri="{05A4C25C-085E-4340-85A3-A5531E510DB2}">
-      <thm15:themeFamily xmlns:thm15="http://schemas.microsoft.com/office/thememl/2012/main" xmlns="" name="Office Theme" id="{62F939B6-93AF-4DB8-9C6B-D6C7DFDC589F}" vid="{4A3C46E8-61CC-4603-A589-7422A47A8E4A}"/>
+      <thm15:themeFamily xmlns:thm15="http://schemas.microsoft.com/office/thememl/2012/main" name="Office Theme" id="{62F939B6-93AF-4DB8-9C6B-D6C7DFDC589F}" vid="{4A3C46E8-61CC-4603-A589-7422A47A8E4A}"/>
     </a:ext>
   </a:extLst>
 </a:theme>
